--- a/Demo_Presentation/The_Platform_Demo_Presentation (Professional).pptx
+++ b/Demo_Presentation/The_Platform_Demo_Presentation (Professional).pptx
@@ -143,7 +143,7 @@
       </p:grpSpPr>
       <p:sp>
         <p:nvSpPr>
-          <p:cNvPr id="1678762458" name="Header Placeholder 1"/>
+          <p:cNvPr id="1670203043" name="Header Placeholder 1"/>
           <p:cNvSpPr>
             <a:spLocks noGrp="1"/>
           </p:cNvSpPr>
@@ -177,7 +177,7 @@
       </p:sp>
       <p:sp>
         <p:nvSpPr>
-          <p:cNvPr id="43492583" name="Date Placeholder 2"/>
+          <p:cNvPr id="757775200" name="Date Placeholder 2"/>
           <p:cNvSpPr>
             <a:spLocks noGrp="1"/>
           </p:cNvSpPr>
@@ -211,7 +211,7 @@
       </p:sp>
       <p:sp>
         <p:nvSpPr>
-          <p:cNvPr id="1345416181" name="Date Placeholder 2"/>
+          <p:cNvPr id="456482323" name="Date Placeholder 2"/>
           <p:cNvSpPr>
             <a:spLocks noGrp="1"/>
           </p:cNvSpPr>
@@ -245,7 +245,7 @@
       </p:sp>
       <p:sp>
         <p:nvSpPr>
-          <p:cNvPr id="270753852" name="Notes Placeholder 4"/>
+          <p:cNvPr id="1596041115" name="Notes Placeholder 4"/>
           <p:cNvSpPr>
             <a:spLocks noGrp="1"/>
           </p:cNvSpPr>
@@ -275,7 +275,7 @@
       </p:sp>
       <p:sp>
         <p:nvSpPr>
-          <p:cNvPr id="416117949" name="Footer Placeholder 5"/>
+          <p:cNvPr id="1029308088" name="Footer Placeholder 5"/>
           <p:cNvSpPr>
             <a:spLocks noGrp="1"/>
           </p:cNvSpPr>
@@ -309,7 +309,7 @@
       </p:sp>
       <p:sp>
         <p:nvSpPr>
-          <p:cNvPr id="1348893731" name="Slide Number Placeholder 6"/>
+          <p:cNvPr id="1916572946" name="Slide Number Placeholder 6"/>
           <p:cNvSpPr>
             <a:spLocks noGrp="1"/>
           </p:cNvSpPr>
@@ -458,7 +458,7 @@
       </p:grpSpPr>
       <p:sp>
         <p:nvSpPr>
-          <p:cNvPr id="591324345" name="Slide Image Placeholder 1"/>
+          <p:cNvPr id="1805458322" name="Slide Image Placeholder 1"/>
           <p:cNvSpPr>
             <a:spLocks noChangeAspect="1" noGrp="1" noRot="1"/>
           </p:cNvSpPr>
@@ -470,7 +470,7 @@
       </p:sp>
       <p:sp>
         <p:nvSpPr>
-          <p:cNvPr id="819368992" name="Notes Placeholder 2"/>
+          <p:cNvPr id="662109532" name="Notes Placeholder 2"/>
           <p:cNvSpPr>
             <a:spLocks noGrp="1"/>
           </p:cNvSpPr>
@@ -492,7 +492,7 @@
       </p:sp>
       <p:sp>
         <p:nvSpPr>
-          <p:cNvPr id="407456225" name="Slide Number Placeholder 3"/>
+          <p:cNvPr id="1221147674" name="Slide Number Placeholder 3"/>
           <p:cNvSpPr>
             <a:spLocks noGrp="1"/>
           </p:cNvSpPr>
@@ -543,7 +543,7 @@
       </p:grpSpPr>
       <p:sp>
         <p:nvSpPr>
-          <p:cNvPr id="1853700888" name="Slide Image Placeholder 1"/>
+          <p:cNvPr id="4544703" name="Slide Image Placeholder 1"/>
           <p:cNvSpPr>
             <a:spLocks noChangeAspect="1" noGrp="1" noRot="1"/>
           </p:cNvSpPr>
@@ -555,7 +555,7 @@
       </p:sp>
       <p:sp>
         <p:nvSpPr>
-          <p:cNvPr id="1914544368" name="Notes Placeholder 2"/>
+          <p:cNvPr id="1545089863" name="Notes Placeholder 2"/>
           <p:cNvSpPr>
             <a:spLocks noGrp="1"/>
           </p:cNvSpPr>
@@ -577,7 +577,7 @@
       </p:sp>
       <p:sp>
         <p:nvSpPr>
-          <p:cNvPr id="1918870009" name="Slide Number Placeholder 3"/>
+          <p:cNvPr id="1666655038" name="Slide Number Placeholder 3"/>
           <p:cNvSpPr>
             <a:spLocks noGrp="1"/>
           </p:cNvSpPr>
@@ -628,7 +628,7 @@
       </p:grpSpPr>
       <p:sp>
         <p:nvSpPr>
-          <p:cNvPr id="1554766797" name="Slide Image Placeholder 1"/>
+          <p:cNvPr id="358826719" name="Slide Image Placeholder 1"/>
           <p:cNvSpPr>
             <a:spLocks noChangeAspect="1" noGrp="1" noRot="1"/>
           </p:cNvSpPr>
@@ -640,7 +640,7 @@
       </p:sp>
       <p:sp>
         <p:nvSpPr>
-          <p:cNvPr id="160940683" name="Notes Placeholder 2"/>
+          <p:cNvPr id="630606669" name="Notes Placeholder 2"/>
           <p:cNvSpPr>
             <a:spLocks noGrp="1"/>
           </p:cNvSpPr>
@@ -662,7 +662,7 @@
       </p:sp>
       <p:sp>
         <p:nvSpPr>
-          <p:cNvPr id="393358065" name="Slide Number Placeholder 3"/>
+          <p:cNvPr id="780359134" name="Slide Number Placeholder 3"/>
           <p:cNvSpPr>
             <a:spLocks noGrp="1"/>
           </p:cNvSpPr>
@@ -713,7 +713,7 @@
       </p:grpSpPr>
       <p:sp>
         <p:nvSpPr>
-          <p:cNvPr id="1272379039" name="Slide Image Placeholder 1"/>
+          <p:cNvPr id="580844126" name="Slide Image Placeholder 1"/>
           <p:cNvSpPr>
             <a:spLocks noChangeAspect="1" noGrp="1" noRot="1"/>
           </p:cNvSpPr>
@@ -725,7 +725,7 @@
       </p:sp>
       <p:sp>
         <p:nvSpPr>
-          <p:cNvPr id="1284377196" name="Notes Placeholder 2"/>
+          <p:cNvPr id="1502181696" name="Notes Placeholder 2"/>
           <p:cNvSpPr>
             <a:spLocks noGrp="1"/>
           </p:cNvSpPr>
@@ -747,7 +747,7 @@
       </p:sp>
       <p:sp>
         <p:nvSpPr>
-          <p:cNvPr id="1486073538" name="Slide Number Placeholder 3"/>
+          <p:cNvPr id="1955627046" name="Slide Number Placeholder 3"/>
           <p:cNvSpPr>
             <a:spLocks noGrp="1"/>
           </p:cNvSpPr>
@@ -798,7 +798,7 @@
       </p:grpSpPr>
       <p:sp>
         <p:nvSpPr>
-          <p:cNvPr id="88654005" name="Slide Image Placeholder 1"/>
+          <p:cNvPr id="1686060059" name="Slide Image Placeholder 1"/>
           <p:cNvSpPr>
             <a:spLocks noChangeAspect="1" noGrp="1" noRot="1"/>
           </p:cNvSpPr>
@@ -810,7 +810,7 @@
       </p:sp>
       <p:sp>
         <p:nvSpPr>
-          <p:cNvPr id="1621236887" name="Notes Placeholder 2"/>
+          <p:cNvPr id="1176304504" name="Notes Placeholder 2"/>
           <p:cNvSpPr>
             <a:spLocks noGrp="1"/>
           </p:cNvSpPr>
@@ -832,7 +832,7 @@
       </p:sp>
       <p:sp>
         <p:nvSpPr>
-          <p:cNvPr id="917443434" name="Slide Number Placeholder 3"/>
+          <p:cNvPr id="764257916" name="Slide Number Placeholder 3"/>
           <p:cNvSpPr>
             <a:spLocks noGrp="1"/>
           </p:cNvSpPr>
@@ -883,7 +883,7 @@
       </p:grpSpPr>
       <p:sp>
         <p:nvSpPr>
-          <p:cNvPr id="186240935" name="Slide Image Placeholder 1"/>
+          <p:cNvPr id="174078229" name="Slide Image Placeholder 1"/>
           <p:cNvSpPr>
             <a:spLocks noChangeAspect="1" noGrp="1" noRot="1"/>
           </p:cNvSpPr>
@@ -895,7 +895,7 @@
       </p:sp>
       <p:sp>
         <p:nvSpPr>
-          <p:cNvPr id="1397410624" name="Notes Placeholder 2"/>
+          <p:cNvPr id="1261785261" name="Notes Placeholder 2"/>
           <p:cNvSpPr>
             <a:spLocks noGrp="1"/>
           </p:cNvSpPr>
@@ -917,7 +917,7 @@
       </p:sp>
       <p:sp>
         <p:nvSpPr>
-          <p:cNvPr id="878219849" name="Slide Number Placeholder 3"/>
+          <p:cNvPr id="677078994" name="Slide Number Placeholder 3"/>
           <p:cNvSpPr>
             <a:spLocks noGrp="1"/>
           </p:cNvSpPr>
@@ -968,7 +968,7 @@
       </p:grpSpPr>
       <p:sp>
         <p:nvSpPr>
-          <p:cNvPr id="1656005748" name="Slide Image Placeholder 1"/>
+          <p:cNvPr id="1600367074" name="Slide Image Placeholder 1"/>
           <p:cNvSpPr>
             <a:spLocks noChangeAspect="1" noGrp="1" noRot="1"/>
           </p:cNvSpPr>
@@ -980,7 +980,7 @@
       </p:sp>
       <p:sp>
         <p:nvSpPr>
-          <p:cNvPr id="1222324795" name="Notes Placeholder 2"/>
+          <p:cNvPr id="582931195" name="Notes Placeholder 2"/>
           <p:cNvSpPr>
             <a:spLocks noGrp="1"/>
           </p:cNvSpPr>
@@ -1002,7 +1002,7 @@
       </p:sp>
       <p:sp>
         <p:nvSpPr>
-          <p:cNvPr id="1063028445" name="Slide Number Placeholder 3"/>
+          <p:cNvPr id="1835786150" name="Slide Number Placeholder 3"/>
           <p:cNvSpPr>
             <a:spLocks noGrp="1"/>
           </p:cNvSpPr>
@@ -1053,7 +1053,7 @@
       </p:grpSpPr>
       <p:sp>
         <p:nvSpPr>
-          <p:cNvPr id="486388020" name="Slide Image Placeholder 1"/>
+          <p:cNvPr id="35129012" name="Slide Image Placeholder 1"/>
           <p:cNvSpPr>
             <a:spLocks noChangeAspect="1" noGrp="1" noRot="1"/>
           </p:cNvSpPr>
@@ -1065,7 +1065,7 @@
       </p:sp>
       <p:sp>
         <p:nvSpPr>
-          <p:cNvPr id="884870474" name="Notes Placeholder 2"/>
+          <p:cNvPr id="347215957" name="Notes Placeholder 2"/>
           <p:cNvSpPr>
             <a:spLocks noGrp="1"/>
           </p:cNvSpPr>
@@ -1087,7 +1087,7 @@
       </p:sp>
       <p:sp>
         <p:nvSpPr>
-          <p:cNvPr id="1481379776" name="Slide Number Placeholder 3"/>
+          <p:cNvPr id="514759640" name="Slide Number Placeholder 3"/>
           <p:cNvSpPr>
             <a:spLocks noGrp="1"/>
           </p:cNvSpPr>
@@ -1138,7 +1138,7 @@
       </p:grpSpPr>
       <p:sp>
         <p:nvSpPr>
-          <p:cNvPr id="374191164" name="Slide Image Placeholder 1"/>
+          <p:cNvPr id="1482820443" name="Slide Image Placeholder 1"/>
           <p:cNvSpPr>
             <a:spLocks noChangeAspect="1" noGrp="1" noRot="1"/>
           </p:cNvSpPr>
@@ -1150,7 +1150,7 @@
       </p:sp>
       <p:sp>
         <p:nvSpPr>
-          <p:cNvPr id="1712924837" name="Notes Placeholder 2"/>
+          <p:cNvPr id="1931762676" name="Notes Placeholder 2"/>
           <p:cNvSpPr>
             <a:spLocks noGrp="1"/>
           </p:cNvSpPr>
@@ -1172,7 +1172,7 @@
       </p:sp>
       <p:sp>
         <p:nvSpPr>
-          <p:cNvPr id="1777247318" name="Slide Number Placeholder 3"/>
+          <p:cNvPr id="1342193599" name="Slide Number Placeholder 3"/>
           <p:cNvSpPr>
             <a:spLocks noGrp="1"/>
           </p:cNvSpPr>
@@ -1223,7 +1223,7 @@
       </p:grpSpPr>
       <p:sp>
         <p:nvSpPr>
-          <p:cNvPr id="2046810014" name="Slide Image Placeholder 1"/>
+          <p:cNvPr id="97260304" name="Slide Image Placeholder 1"/>
           <p:cNvSpPr>
             <a:spLocks noChangeAspect="1" noGrp="1" noRot="1"/>
           </p:cNvSpPr>
@@ -1235,7 +1235,7 @@
       </p:sp>
       <p:sp>
         <p:nvSpPr>
-          <p:cNvPr id="1304508259" name="Notes Placeholder 2"/>
+          <p:cNvPr id="254175328" name="Notes Placeholder 2"/>
           <p:cNvSpPr>
             <a:spLocks noGrp="1"/>
           </p:cNvSpPr>
@@ -1257,7 +1257,7 @@
       </p:sp>
       <p:sp>
         <p:nvSpPr>
-          <p:cNvPr id="851521208" name="Slide Number Placeholder 3"/>
+          <p:cNvPr id="99758603" name="Slide Number Placeholder 3"/>
           <p:cNvSpPr>
             <a:spLocks noGrp="1"/>
           </p:cNvSpPr>
@@ -4381,7 +4381,7 @@
       </p:grpSpPr>
       <p:sp>
         <p:nvSpPr>
-          <p:cNvPr id="827500305" name="Title 1"/>
+          <p:cNvPr id="579546760" name="Title 1"/>
           <p:cNvSpPr>
             <a:spLocks noGrp="1"/>
           </p:cNvSpPr>
@@ -4424,7 +4424,7 @@
       </p:sp>
       <p:sp>
         <p:nvSpPr>
-          <p:cNvPr id="863315709" name="Subtitle 2"/>
+          <p:cNvPr id="1697479514" name="Subtitle 2"/>
           <p:cNvSpPr>
             <a:spLocks noGrp="1"/>
           </p:cNvSpPr>
@@ -4466,7 +4466,7 @@
       </p:sp>
       <p:sp>
         <p:nvSpPr>
-          <p:cNvPr id="41592276" name="Title 1"/>
+          <p:cNvPr id="301179238" name="Title 1"/>
           <p:cNvSpPr>
             <a:spLocks noGrp="1"/>
           </p:cNvSpPr>
@@ -4540,7 +4540,7 @@
       </p:grpSpPr>
       <p:sp>
         <p:nvSpPr>
-          <p:cNvPr id="771909950" name="Title 1"/>
+          <p:cNvPr id="1435720185" name="Title 1"/>
           <p:cNvSpPr>
             <a:spLocks noGrp="1"/>
           </p:cNvSpPr>
@@ -4557,16 +4557,27 @@
               <a:defRPr/>
             </a:pPr>
             <a:r>
-              <a:rPr/>
-              <a:t>Roadmap 🗺️</a:t>
-            </a:r>
-            <a:endParaRPr/>
-          </a:p>
-        </p:txBody>
-      </p:sp>
-      <p:sp>
-        <p:nvSpPr>
-          <p:cNvPr id="1239392104" name="Content Placeholder 2"/>
+              <a:rPr lang="en-US" sz="3300" b="0" i="0" u="none" strike="noStrike" cap="none" spc="0">
+                <a:solidFill>
+                  <a:schemeClr val="tx1"/>
+                </a:solidFill>
+                <a:latin typeface="Arial"/>
+                <a:ea typeface="Arial"/>
+                <a:cs typeface="Arial"/>
+              </a:rPr>
+              <a:t>Roadmap &amp; Timeline</a:t>
+            </a:r>
+            <a:r>
+              <a:rPr/>
+              <a:t> 🗺️</a:t>
+            </a:r>
+            <a:endParaRPr/>
+          </a:p>
+        </p:txBody>
+      </p:sp>
+      <p:sp>
+        <p:nvSpPr>
+          <p:cNvPr id="485076400" name="Content Placeholder 2"/>
           <p:cNvSpPr>
             <a:spLocks noGrp="1"/>
           </p:cNvSpPr>
@@ -4580,41 +4591,99 @@
           <a:lstStyle/>
           <a:p>
             <a:pPr>
-              <a:defRPr/>
-            </a:pPr>
-            <a:r>
-              <a:rPr/>
-              <a:t>Week 1–2: GUI 🚀</a:t>
-            </a:r>
-            <a:endParaRPr/>
-          </a:p>
-          <a:p>
-            <a:pPr>
-              <a:defRPr/>
-            </a:pPr>
-            <a:r>
-              <a:rPr/>
-              <a:t>Week 3–4: GPIO 🔌 + Audio 🎵</a:t>
-            </a:r>
-            <a:endParaRPr/>
-          </a:p>
-          <a:p>
-            <a:pPr>
-              <a:defRPr/>
-            </a:pPr>
-            <a:r>
-              <a:rPr/>
-              <a:t>Week 5–6: Safety 🛡️ + Web 🌍</a:t>
-            </a:r>
-            <a:endParaRPr/>
-          </a:p>
-          <a:p>
-            <a:pPr>
-              <a:defRPr/>
-            </a:pPr>
-            <a:r>
-              <a:rPr/>
-              <a:t>Week 7+: AI 🤖</a:t>
+              <a:lnSpc>
+                <a:spcPct val="200000"/>
+              </a:lnSpc>
+              <a:defRPr/>
+            </a:pPr>
+            <a:r>
+              <a:rPr lang="en-US" sz="2200" b="0" i="0" u="none" strike="noStrike" cap="none" spc="0">
+                <a:solidFill>
+                  <a:schemeClr val="tx1"/>
+                </a:solidFill>
+                <a:latin typeface="Arial"/>
+                <a:ea typeface="Arial"/>
+                <a:cs typeface="Arial"/>
+              </a:rPr>
+              <a:t>Week 1–2 → GUI + Connectivity</a:t>
+            </a:r>
+            <a:endParaRPr lang="en-US" sz="2200" b="0" i="0" u="none" strike="noStrike" cap="none" spc="0">
+              <a:solidFill>
+                <a:schemeClr val="tx1"/>
+              </a:solidFill>
+              <a:latin typeface="Arial"/>
+              <a:cs typeface="Arial"/>
+            </a:endParaRPr>
+          </a:p>
+          <a:p>
+            <a:pPr>
+              <a:lnSpc>
+                <a:spcPct val="200000"/>
+              </a:lnSpc>
+              <a:defRPr/>
+            </a:pPr>
+            <a:r>
+              <a:rPr lang="en-US" sz="2200" b="0" i="0" u="none" strike="noStrike" cap="none" spc="0">
+                <a:solidFill>
+                  <a:schemeClr val="tx1"/>
+                </a:solidFill>
+                <a:latin typeface="Arial"/>
+                <a:ea typeface="Arial"/>
+                <a:cs typeface="Arial"/>
+              </a:rPr>
+              <a:t>Week 3–4 → GPIO + Multimedia</a:t>
+            </a:r>
+            <a:endParaRPr lang="en-US" sz="2200" b="0" i="0" u="none" strike="noStrike" cap="none" spc="0">
+              <a:solidFill>
+                <a:schemeClr val="tx1"/>
+              </a:solidFill>
+              <a:latin typeface="Arial"/>
+              <a:cs typeface="Arial"/>
+            </a:endParaRPr>
+          </a:p>
+          <a:p>
+            <a:pPr>
+              <a:lnSpc>
+                <a:spcPct val="200000"/>
+              </a:lnSpc>
+              <a:defRPr/>
+            </a:pPr>
+            <a:r>
+              <a:rPr lang="en-US" sz="2200" b="0" i="0" u="none" strike="noStrike" cap="none" spc="0">
+                <a:solidFill>
+                  <a:schemeClr val="tx1"/>
+                </a:solidFill>
+                <a:latin typeface="Arial"/>
+                <a:ea typeface="Arial"/>
+                <a:cs typeface="Arial"/>
+              </a:rPr>
+              <a:t>Week 5–6 → Safety + Cloud</a:t>
+            </a:r>
+            <a:endParaRPr lang="en-US" sz="2200" b="0" i="0" u="none" strike="noStrike" cap="none" spc="0">
+              <a:solidFill>
+                <a:schemeClr val="tx1"/>
+              </a:solidFill>
+              <a:latin typeface="Arial"/>
+              <a:cs typeface="Arial"/>
+            </a:endParaRPr>
+          </a:p>
+          <a:p>
+            <a:pPr>
+              <a:lnSpc>
+                <a:spcPct val="200000"/>
+              </a:lnSpc>
+              <a:defRPr/>
+            </a:pPr>
+            <a:r>
+              <a:rPr lang="en-US" sz="2200" b="0" i="0" u="none" strike="noStrike" cap="none" spc="0">
+                <a:solidFill>
+                  <a:schemeClr val="tx1"/>
+                </a:solidFill>
+                <a:latin typeface="Arial"/>
+                <a:ea typeface="Arial"/>
+                <a:cs typeface="Arial"/>
+              </a:rPr>
+              <a:t>Week 7+ → AI &amp; Advanced Features</a:t>
             </a:r>
             <a:endParaRPr/>
           </a:p>
@@ -4655,7 +4724,7 @@
       </p:grpSpPr>
       <p:sp>
         <p:nvSpPr>
-          <p:cNvPr id="1215697928" name="Title 1"/>
+          <p:cNvPr id="110324304" name="Title 1"/>
           <p:cNvSpPr>
             <a:spLocks noGrp="1"/>
           </p:cNvSpPr>
@@ -4688,7 +4757,7 @@
       </p:sp>
       <p:sp>
         <p:nvSpPr>
-          <p:cNvPr id="494042934" name="Content Placeholder 2"/>
+          <p:cNvPr id="1918396784" name="Content Placeholder 2"/>
           <p:cNvSpPr>
             <a:spLocks noGrp="1"/>
           </p:cNvSpPr>
@@ -4972,7 +5041,7 @@
       </p:grpSpPr>
       <p:sp>
         <p:nvSpPr>
-          <p:cNvPr id="1073325699" name="Title 1"/>
+          <p:cNvPr id="307880527" name="Title 1"/>
           <p:cNvSpPr>
             <a:spLocks noGrp="1"/>
           </p:cNvSpPr>
@@ -5009,7 +5078,7 @@
       </p:sp>
       <p:sp>
         <p:nvSpPr>
-          <p:cNvPr id="407493765" name="Content Placeholder 2"/>
+          <p:cNvPr id="1059243049" name="Content Placeholder 2"/>
           <p:cNvSpPr>
             <a:spLocks noGrp="1"/>
           </p:cNvSpPr>
@@ -5184,7 +5253,7 @@
       </p:grpSpPr>
       <p:sp>
         <p:nvSpPr>
-          <p:cNvPr id="938210012" name="Title 1"/>
+          <p:cNvPr id="370268386" name="Title 1"/>
           <p:cNvSpPr>
             <a:spLocks noGrp="1"/>
           </p:cNvSpPr>
@@ -5217,7 +5286,7 @@
       </p:sp>
       <p:sp>
         <p:nvSpPr>
-          <p:cNvPr id="706833326" name="Content Placeholder 2"/>
+          <p:cNvPr id="1361133936" name="Content Placeholder 2"/>
           <p:cNvSpPr>
             <a:spLocks noGrp="1"/>
           </p:cNvSpPr>
@@ -5398,7 +5467,7 @@
       </p:grpSpPr>
       <p:sp>
         <p:nvSpPr>
-          <p:cNvPr id="1638970487" name="Title 1"/>
+          <p:cNvPr id="1471826437" name="Title 1"/>
           <p:cNvSpPr>
             <a:spLocks noGrp="1"/>
           </p:cNvSpPr>
@@ -5431,7 +5500,7 @@
       </p:sp>
       <p:sp>
         <p:nvSpPr>
-          <p:cNvPr id="444133091" name="Content Placeholder 2"/>
+          <p:cNvPr id="1486635406" name="Content Placeholder 2"/>
           <p:cNvSpPr>
             <a:spLocks noGrp="1"/>
           </p:cNvSpPr>
@@ -5553,7 +5622,7 @@
       </p:grpSpPr>
       <p:sp>
         <p:nvSpPr>
-          <p:cNvPr id="239836835" name="Title 1"/>
+          <p:cNvPr id="1156619080" name="Title 1"/>
           <p:cNvSpPr>
             <a:spLocks noGrp="1"/>
           </p:cNvSpPr>
@@ -5590,7 +5659,7 @@
       </p:sp>
       <p:sp>
         <p:nvSpPr>
-          <p:cNvPr id="1626108210" name="Content Placeholder 2"/>
+          <p:cNvPr id="1756148506" name="Content Placeholder 2"/>
           <p:cNvSpPr>
             <a:spLocks noGrp="1"/>
           </p:cNvSpPr>
@@ -5775,7 +5844,7 @@
       </p:grpSpPr>
       <p:sp>
         <p:nvSpPr>
-          <p:cNvPr id="1165300110" name="Title 1"/>
+          <p:cNvPr id="1497859415" name="Title 1"/>
           <p:cNvSpPr>
             <a:spLocks noGrp="1"/>
           </p:cNvSpPr>
@@ -5812,7 +5881,7 @@
       </p:sp>
       <p:sp>
         <p:nvSpPr>
-          <p:cNvPr id="1076368859" name="Content Placeholder 2"/>
+          <p:cNvPr id="879135455" name="Content Placeholder 2"/>
           <p:cNvSpPr>
             <a:spLocks noGrp="1"/>
           </p:cNvSpPr>
@@ -6092,7 +6161,7 @@
       </p:grpSpPr>
       <p:sp>
         <p:nvSpPr>
-          <p:cNvPr id="1698493165" name="Title 1"/>
+          <p:cNvPr id="1278532836" name="Title 1"/>
           <p:cNvSpPr>
             <a:spLocks noGrp="1"/>
           </p:cNvSpPr>
@@ -6129,7 +6198,7 @@
       </p:sp>
       <p:sp>
         <p:nvSpPr>
-          <p:cNvPr id="248813340" name="Content Placeholder 2"/>
+          <p:cNvPr id="1732506914" name="Content Placeholder 2"/>
           <p:cNvSpPr>
             <a:spLocks noGrp="1"/>
           </p:cNvSpPr>
@@ -6252,7 +6321,7 @@
       </p:grpSpPr>
       <p:sp>
         <p:nvSpPr>
-          <p:cNvPr id="1166548673" name="Title 1"/>
+          <p:cNvPr id="76686687" name="Title 1"/>
           <p:cNvSpPr>
             <a:spLocks noGrp="1"/>
           </p:cNvSpPr>
@@ -6289,7 +6358,7 @@
       </p:sp>
       <p:sp>
         <p:nvSpPr>
-          <p:cNvPr id="104569527" name="Content Placeholder 2"/>
+          <p:cNvPr id="243968631" name="Content Placeholder 2"/>
           <p:cNvSpPr>
             <a:spLocks noGrp="1"/>
           </p:cNvSpPr>
